--- a/2018_11_04.pptx
+++ b/2018_11_04.pptx
@@ -5905,8 +5905,13 @@
             </a:pPr>
             <a:r>
               <a:rPr kumimoji="1" lang="en-US" altLang="ja-JP" dirty="0"/>
-              <a:t>	Skyway</a:t>
-            </a:r>
+              <a:t>	</a:t>
+            </a:r>
+            <a:r>
+              <a:rPr kumimoji="1" lang="en-US" altLang="ja-JP"/>
+              <a:t>SkyWay</a:t>
+            </a:r>
+            <a:endParaRPr kumimoji="1" lang="en-US" altLang="ja-JP" dirty="0"/>
           </a:p>
           <a:p>
             <a:r>
@@ -5935,7 +5940,7 @@
             </a:r>
             <a:r>
               <a:rPr lang="en-US" altLang="ja-JP" dirty="0" err="1"/>
-              <a:t>JQuary</a:t>
+              <a:t>jQuary</a:t>
             </a:r>
             <a:r>
               <a:rPr lang="en-US" altLang="ja-JP" dirty="0"/>
